--- a/2022全國智慧製造大數據分析競賽_ProjectB.pptx
+++ b/2022全國智慧製造大數據分析競賽_ProjectB.pptx
@@ -14757,13 +14757,13 @@
             <p:ph idx="1"/>
             <p:extLst>
               <p:ext uri="{D42A27DB-BD31-4B8C-83A1-F6EECF244321}">
-                <p14:modId xmlns:p14="http://schemas.microsoft.com/office/powerpoint/2010/main" val="2396424573"/>
+                <p14:modId xmlns:p14="http://schemas.microsoft.com/office/powerpoint/2010/main" val="4280276363"/>
               </p:ext>
             </p:extLst>
           </p:nvPr>
         </p:nvGraphicFramePr>
         <p:xfrm>
-          <a:off x="828040" y="1948207"/>
+          <a:off x="2186940" y="2716557"/>
           <a:ext cx="6185235" cy="762000"/>
         </p:xfrm>
         <a:graphic>
@@ -15937,8 +15937,8 @@
         </p:nvSpPr>
         <p:spPr>
           <a:xfrm>
-            <a:off x="6906883" y="2139587"/>
-            <a:ext cx="5627298" cy="369332"/>
+            <a:off x="2197100" y="3556000"/>
+            <a:ext cx="5627298" cy="923330"/>
           </a:xfrm>
           <a:prstGeom prst="rect">
             <a:avLst/>
@@ -15957,7 +15957,118 @@
                 <a:ea typeface="標楷體" panose="03000509000000000000" pitchFamily="65" charset="-120"/>
                 <a:sym typeface="Wingdings" panose="05000000000000000000" pitchFamily="2" charset="2"/>
               </a:rPr>
-              <a:t></a:t>
+              <a:t>↑</a:t>
+            </a:r>
+            <a:br>
+              <a:rPr lang="en-US" altLang="zh-TW" dirty="0">
+                <a:latin typeface="標楷體" panose="03000509000000000000" pitchFamily="65" charset="-120"/>
+                <a:ea typeface="標楷體" panose="03000509000000000000" pitchFamily="65" charset="-120"/>
+                <a:sym typeface="Wingdings" panose="05000000000000000000" pitchFamily="2" charset="2"/>
+              </a:rPr>
+            </a:br>
+            <a:r>
+              <a:rPr lang="zh-TW" altLang="en-US" dirty="0">
+                <a:latin typeface="標楷體" panose="03000509000000000000" pitchFamily="65" charset="-120"/>
+                <a:ea typeface="標楷體" panose="03000509000000000000" pitchFamily="65" charset="-120"/>
+                <a:sym typeface="Wingdings" panose="05000000000000000000" pitchFamily="2" charset="2"/>
+              </a:rPr>
+              <a:t>觀察</a:t>
+            </a:r>
+            <a:r>
+              <a:rPr lang="en-US" altLang="zh-TW" dirty="0" err="1">
+                <a:latin typeface="標楷體" panose="03000509000000000000" pitchFamily="65" charset="-120"/>
+                <a:ea typeface="標楷體" panose="03000509000000000000" pitchFamily="65" charset="-120"/>
+                <a:sym typeface="Wingdings" panose="05000000000000000000" pitchFamily="2" charset="2"/>
+              </a:rPr>
+              <a:t>n_sg</a:t>
+            </a:r>
+            <a:r>
+              <a:rPr lang="zh-TW" altLang="en-US" dirty="0">
+                <a:latin typeface="標楷體" panose="03000509000000000000" pitchFamily="65" charset="-120"/>
+                <a:ea typeface="標楷體" panose="03000509000000000000" pitchFamily="65" charset="-120"/>
+                <a:sym typeface="Wingdings" panose="05000000000000000000" pitchFamily="2" charset="2"/>
+              </a:rPr>
+              <a:t>、</a:t>
+            </a:r>
+            <a:r>
+              <a:rPr lang="en-US" altLang="zh-TW" dirty="0" err="1">
+                <a:latin typeface="標楷體" panose="03000509000000000000" pitchFamily="65" charset="-120"/>
+                <a:ea typeface="標楷體" panose="03000509000000000000" pitchFamily="65" charset="-120"/>
+                <a:sym typeface="Wingdings" panose="05000000000000000000" pitchFamily="2" charset="2"/>
+              </a:rPr>
+              <a:t>n_spike</a:t>
+            </a:r>
+            <a:r>
+              <a:rPr lang="zh-TW" altLang="en-US" dirty="0">
+                <a:latin typeface="標楷體" panose="03000509000000000000" pitchFamily="65" charset="-120"/>
+                <a:ea typeface="標楷體" panose="03000509000000000000" pitchFamily="65" charset="-120"/>
+                <a:sym typeface="Wingdings" panose="05000000000000000000" pitchFamily="2" charset="2"/>
+              </a:rPr>
+              <a:t>的</a:t>
+            </a:r>
+            <a:r>
+              <a:rPr lang="en-US" altLang="zh-TW" dirty="0">
+                <a:latin typeface="標楷體" panose="03000509000000000000" pitchFamily="65" charset="-120"/>
+                <a:ea typeface="標楷體" panose="03000509000000000000" pitchFamily="65" charset="-120"/>
+                <a:sym typeface="Wingdings" panose="05000000000000000000" pitchFamily="2" charset="2"/>
+              </a:rPr>
+              <a:t>B</a:t>
+            </a:r>
+            <a:r>
+              <a:rPr lang="zh-TW" altLang="en-US" dirty="0">
+                <a:latin typeface="標楷體" panose="03000509000000000000" pitchFamily="65" charset="-120"/>
+                <a:ea typeface="標楷體" panose="03000509000000000000" pitchFamily="65" charset="-120"/>
+                <a:sym typeface="Wingdings" panose="05000000000000000000" pitchFamily="2" charset="2"/>
+              </a:rPr>
+              <a:t>特徵，得出</a:t>
+            </a:r>
+            <a:r>
+              <a:rPr lang="en-US" altLang="zh-TW" dirty="0">
+                <a:latin typeface="標楷體" panose="03000509000000000000" pitchFamily="65" charset="-120"/>
+                <a:ea typeface="標楷體" panose="03000509000000000000" pitchFamily="65" charset="-120"/>
+                <a:sym typeface="Wingdings" panose="05000000000000000000" pitchFamily="2" charset="2"/>
+              </a:rPr>
+              <a:t>sg</a:t>
+            </a:r>
+            <a:r>
+              <a:rPr lang="zh-TW" altLang="en-US" dirty="0">
+                <a:latin typeface="標楷體" panose="03000509000000000000" pitchFamily="65" charset="-120"/>
+                <a:ea typeface="標楷體" panose="03000509000000000000" pitchFamily="65" charset="-120"/>
+                <a:sym typeface="Wingdings" panose="05000000000000000000" pitchFamily="2" charset="2"/>
+              </a:rPr>
+              <a:t>絕對值在</a:t>
+            </a:r>
+            <a:r>
+              <a:rPr lang="en-US" altLang="zh-TW" dirty="0">
+                <a:latin typeface="標楷體" panose="03000509000000000000" pitchFamily="65" charset="-120"/>
+                <a:ea typeface="標楷體" panose="03000509000000000000" pitchFamily="65" charset="-120"/>
+                <a:sym typeface="Wingdings" panose="05000000000000000000" pitchFamily="2" charset="2"/>
+              </a:rPr>
+              <a:t>0.0029</a:t>
+            </a:r>
+            <a:r>
+              <a:rPr lang="zh-TW" altLang="en-US" dirty="0">
+                <a:latin typeface="標楷體" panose="03000509000000000000" pitchFamily="65" charset="-120"/>
+                <a:ea typeface="標楷體" panose="03000509000000000000" pitchFamily="65" charset="-120"/>
+                <a:sym typeface="Wingdings" panose="05000000000000000000" pitchFamily="2" charset="2"/>
+              </a:rPr>
+              <a:t>至</a:t>
+            </a:r>
+            <a:r>
+              <a:rPr lang="en-US" altLang="zh-TW" dirty="0">
+                <a:latin typeface="標楷體" panose="03000509000000000000" pitchFamily="65" charset="-120"/>
+                <a:ea typeface="標楷體" panose="03000509000000000000" pitchFamily="65" charset="-120"/>
+                <a:sym typeface="Wingdings" panose="05000000000000000000" pitchFamily="2" charset="2"/>
+              </a:rPr>
+              <a:t>0.0041</a:t>
+            </a:r>
+            <a:r>
+              <a:rPr lang="zh-TW" altLang="en-US" dirty="0">
+                <a:latin typeface="標楷體" panose="03000509000000000000" pitchFamily="65" charset="-120"/>
+                <a:ea typeface="標楷體" panose="03000509000000000000" pitchFamily="65" charset="-120"/>
+                <a:sym typeface="Wingdings" panose="05000000000000000000" pitchFamily="2" charset="2"/>
+              </a:rPr>
+              <a:t>間是可能的雜訊。</a:t>
             </a:r>
             <a:endParaRPr lang="zh-TW" altLang="en-US" dirty="0">
               <a:latin typeface="標楷體" panose="03000509000000000000" pitchFamily="65" charset="-120"/>

--- a/2022全國智慧製造大數據分析競賽_ProjectB.pptx
+++ b/2022全國智慧製造大數據分析競賽_ProjectB.pptx
@@ -14736,7 +14736,7 @@
           <a:p>
             <a:r>
               <a:rPr lang="zh-TW" altLang="en-US" dirty="0"/>
-              <a:t>特徵工程</a:t>
+              <a:t>特徵選取</a:t>
             </a:r>
           </a:p>
         </p:txBody>
